--- a/49智慧之言.pptx
+++ b/49智慧之言.pptx
@@ -1,19 +1,19 @@
 
 <file path=ppt/presentation.xml><?xml version="1.0" encoding="utf-8"?>
-<p:presentation xmlns:a="http://schemas.openxmlformats.org/drawingml/2006/main" xmlns:r="http://schemas.openxmlformats.org/officeDocument/2006/relationships" xmlns:p="http://schemas.openxmlformats.org/presentationml/2006/main" saveSubsetFonts="1">
+<p:presentation xmlns:a="http://schemas.openxmlformats.org/drawingml/2006/main" xmlns:r="http://schemas.openxmlformats.org/officeDocument/2006/relationships" xmlns:p="http://schemas.openxmlformats.org/presentationml/2006/main">
   <p:sldMasterIdLst>
-    <p:sldMasterId id="2147483660" r:id="rId1"/>
+    <p:sldMasterId id="2147483648" r:id="rId1"/>
   </p:sldMasterIdLst>
   <p:sldIdLst>
-    <p:sldId id="256" r:id="rId2"/>
-    <p:sldId id="257" r:id="rId3"/>
-    <p:sldId id="258" r:id="rId4"/>
-    <p:sldId id="259" r:id="rId5"/>
-    <p:sldId id="260" r:id="rId6"/>
-    <p:sldId id="261" r:id="rId7"/>
-    <p:sldId id="262" r:id="rId8"/>
+    <p:sldId id="256" r:id="rId3"/>
+    <p:sldId id="257" r:id="rId4"/>
+    <p:sldId id="263" r:id="rId5"/>
+    <p:sldId id="264" r:id="rId6"/>
+    <p:sldId id="265" r:id="rId7"/>
+    <p:sldId id="266" r:id="rId8"/>
+    <p:sldId id="267" r:id="rId9"/>
   </p:sldIdLst>
-  <p:sldSz cx="9144000" cy="6858000" type="screen4x3"/>
+  <p:sldSz cx="12192000" cy="6858000"/>
   <p:notesSz cx="6858000" cy="9144000"/>
   <p:defaultTextStyle>
     <a:defPPr>
@@ -114,7 +114,7 @@
 </file>
 
 <file path=ppt/slideLayouts/slideLayout1.xml><?xml version="1.0" encoding="utf-8"?>
-<p:sldLayout xmlns:a="http://schemas.openxmlformats.org/drawingml/2006/main" xmlns:r="http://schemas.openxmlformats.org/officeDocument/2006/relationships" xmlns:p="http://schemas.openxmlformats.org/presentationml/2006/main" showMasterSp="0" type="title" preserve="1">
+<p:sldLayout xmlns:a="http://schemas.openxmlformats.org/drawingml/2006/main" xmlns:r="http://schemas.openxmlformats.org/officeDocument/2006/relationships" xmlns:p="http://schemas.openxmlformats.org/presentationml/2006/main" type="title" preserve="1" showMasterSp="0">
   <p:cSld name="Title Slide">
     <p:bg>
       <p:bgRef idx="1001">
@@ -147,8 +147,8 @@
         </p:nvSpPr>
         <p:spPr>
           <a:xfrm>
-            <a:off x="2286000" y="3124200"/>
-            <a:ext cx="6172200" cy="1894362"/>
+            <a:off x="3048000" y="3124200"/>
+            <a:ext cx="8229600" cy="1894362"/>
           </a:xfrm>
         </p:spPr>
         <p:txBody>
@@ -179,8 +179,8 @@
         </p:nvSpPr>
         <p:spPr>
           <a:xfrm>
-            <a:off x="2286000" y="5003322"/>
-            <a:ext cx="6172200" cy="1371600"/>
+            <a:off x="3048000" y="5003322"/>
+            <a:ext cx="8229600" cy="1371600"/>
           </a:xfrm>
         </p:spPr>
         <p:txBody>
@@ -240,8 +240,8 @@
         </p:nvSpPr>
         <p:spPr bwMode="auto">
           <a:xfrm rot="5400000">
-            <a:off x="7764621" y="1174097"/>
-            <a:ext cx="2286000" cy="381000"/>
+            <a:off x="10352828" y="1174097"/>
+            <a:ext cx="3048000" cy="381000"/>
           </a:xfrm>
         </p:spPr>
         <p:txBody>
@@ -250,8 +250,6 @@
           <a:p>
             <a:fld id="{86B5546F-C09B-4E63-ABC5-F7C86A7E8D66}" type="datetimeFigureOut">
               <a:rPr lang="en-US" smtClean="0"/>
-              <a:pPr/>
-              <a:t>7/23/2017</a:t>
             </a:fld>
             <a:endParaRPr lang="en-US"/>
           </a:p>
@@ -269,8 +267,8 @@
         </p:nvSpPr>
         <p:spPr bwMode="auto">
           <a:xfrm rot="5400000">
-            <a:off x="7077269" y="4181669"/>
-            <a:ext cx="3657600" cy="384048"/>
+            <a:off x="9436359" y="4181669"/>
+            <a:ext cx="4876800" cy="384048"/>
           </a:xfrm>
         </p:spPr>
         <p:txBody>
@@ -289,8 +287,8 @@
         </p:nvSpPr>
         <p:spPr bwMode="auto">
           <a:xfrm>
-            <a:off x="381000" y="0"/>
-            <a:ext cx="609600" cy="6858000"/>
+            <a:off x="508000" y="0"/>
+            <a:ext cx="812800" cy="6858000"/>
           </a:xfrm>
           <a:prstGeom prst="rect">
             <a:avLst/>
@@ -338,8 +336,8 @@
         </p:nvSpPr>
         <p:spPr bwMode="auto">
           <a:xfrm>
-            <a:off x="276336" y="0"/>
-            <a:ext cx="104664" cy="6858000"/>
+            <a:off x="368448" y="0"/>
+            <a:ext cx="139552" cy="6858000"/>
           </a:xfrm>
           <a:prstGeom prst="rect">
             <a:avLst/>
@@ -387,8 +385,8 @@
         </p:nvSpPr>
         <p:spPr bwMode="auto">
           <a:xfrm>
-            <a:off x="990600" y="0"/>
-            <a:ext cx="181872" cy="6858000"/>
+            <a:off x="1320800" y="0"/>
+            <a:ext cx="242496" cy="6858000"/>
           </a:xfrm>
           <a:prstGeom prst="rect">
             <a:avLst/>
@@ -436,8 +434,8 @@
         </p:nvSpPr>
         <p:spPr bwMode="auto">
           <a:xfrm>
-            <a:off x="1141320" y="0"/>
-            <a:ext cx="230280" cy="6858000"/>
+            <a:off x="1521760" y="0"/>
+            <a:ext cx="307040" cy="6858000"/>
           </a:xfrm>
           <a:prstGeom prst="rect">
             <a:avLst/>
@@ -487,7 +485,7 @@
         </p:nvSpPr>
         <p:spPr bwMode="auto">
           <a:xfrm>
-            <a:off x="106344" y="0"/>
+            <a:off x="141792" y="0"/>
             <a:ext cx="0" cy="6858000"/>
           </a:xfrm>
           <a:prstGeom prst="line">
@@ -526,7 +524,7 @@
         </p:nvSpPr>
         <p:spPr bwMode="auto">
           <a:xfrm>
-            <a:off x="914400" y="0"/>
+            <a:off x="1219200" y="0"/>
             <a:ext cx="0" cy="6858000"/>
           </a:xfrm>
           <a:prstGeom prst="line">
@@ -565,7 +563,7 @@
         </p:nvSpPr>
         <p:spPr bwMode="auto">
           <a:xfrm>
-            <a:off x="854112" y="0"/>
+            <a:off x="1138816" y="0"/>
             <a:ext cx="0" cy="6858000"/>
           </a:xfrm>
           <a:prstGeom prst="line">
@@ -603,7 +601,7 @@
         </p:nvSpPr>
         <p:spPr bwMode="auto">
           <a:xfrm>
-            <a:off x="1726640" y="0"/>
+            <a:off x="2302187" y="0"/>
             <a:ext cx="0" cy="6858000"/>
           </a:xfrm>
           <a:prstGeom prst="line">
@@ -642,7 +640,7 @@
         </p:nvSpPr>
         <p:spPr bwMode="auto">
           <a:xfrm>
-            <a:off x="1066800" y="0"/>
+            <a:off x="1422400" y="0"/>
             <a:ext cx="0" cy="6858000"/>
           </a:xfrm>
           <a:prstGeom prst="line">
@@ -680,7 +678,7 @@
         </p:nvSpPr>
         <p:spPr bwMode="auto">
           <a:xfrm>
-            <a:off x="9113856" y="0"/>
+            <a:off x="12151808" y="0"/>
             <a:ext cx="0" cy="6858000"/>
           </a:xfrm>
           <a:prstGeom prst="line">
@@ -716,8 +714,8 @@
         </p:nvSpPr>
         <p:spPr bwMode="auto">
           <a:xfrm>
-            <a:off x="1219200" y="0"/>
-            <a:ext cx="76200" cy="6858000"/>
+            <a:off x="1625600" y="0"/>
+            <a:ext cx="101600" cy="6858000"/>
           </a:xfrm>
           <a:prstGeom prst="rect">
             <a:avLst/>
@@ -765,8 +763,8 @@
         </p:nvSpPr>
         <p:spPr bwMode="auto">
           <a:xfrm>
-            <a:off x="609600" y="3429000"/>
-            <a:ext cx="1295400" cy="1295400"/>
+            <a:off x="812800" y="3429000"/>
+            <a:ext cx="1727200" cy="1295400"/>
           </a:xfrm>
           <a:prstGeom prst="ellipse">
             <a:avLst/>
@@ -811,8 +809,8 @@
         </p:nvSpPr>
         <p:spPr bwMode="auto">
           <a:xfrm>
-            <a:off x="1309632" y="4866752"/>
-            <a:ext cx="641424" cy="641424"/>
+            <a:off x="1746176" y="4866752"/>
+            <a:ext cx="855232" cy="641424"/>
           </a:xfrm>
           <a:prstGeom prst="ellipse">
             <a:avLst/>
@@ -854,8 +852,8 @@
         </p:nvSpPr>
         <p:spPr bwMode="auto">
           <a:xfrm>
-            <a:off x="1091080" y="5500632"/>
-            <a:ext cx="137160" cy="137160"/>
+            <a:off x="1454773" y="5500632"/>
+            <a:ext cx="182880" cy="137160"/>
           </a:xfrm>
           <a:prstGeom prst="ellipse">
             <a:avLst/>
@@ -897,8 +895,8 @@
         </p:nvSpPr>
         <p:spPr bwMode="auto">
           <a:xfrm>
-            <a:off x="1664208" y="5788152"/>
-            <a:ext cx="274320" cy="274320"/>
+            <a:off x="2218944" y="5788152"/>
+            <a:ext cx="365760" cy="274320"/>
           </a:xfrm>
           <a:prstGeom prst="ellipse">
             <a:avLst/>
@@ -940,8 +938,8 @@
         </p:nvSpPr>
         <p:spPr>
           <a:xfrm>
-            <a:off x="1905000" y="4495800"/>
-            <a:ext cx="365760" cy="365760"/>
+            <a:off x="2540000" y="4495800"/>
+            <a:ext cx="487680" cy="365760"/>
           </a:xfrm>
           <a:prstGeom prst="ellipse">
             <a:avLst/>
@@ -987,8 +985,8 @@
         </p:nvSpPr>
         <p:spPr bwMode="auto">
           <a:xfrm>
-            <a:off x="1325544" y="4928702"/>
-            <a:ext cx="609600" cy="517524"/>
+            <a:off x="1767392" y="4928702"/>
+            <a:ext cx="812800" cy="517524"/>
           </a:xfrm>
         </p:spPr>
         <p:txBody>
@@ -997,8 +995,6 @@
           <a:p>
             <a:fld id="{93B860E2-8DBF-4FA2-99AF-C83A9386F922}" type="slidenum">
               <a:rPr lang="en-US" smtClean="0"/>
-              <a:pPr/>
-              <a:t>‹#›</a:t>
             </a:fld>
             <a:endParaRPr lang="en-US"/>
           </a:p>
@@ -1072,6 +1068,7 @@
               <a:rPr lang="en-US" smtClean="0"/>
               <a:t>Click to edit Master text styles</a:t>
             </a:r>
+            <a:endParaRPr lang="en-US" smtClean="0"/>
           </a:p>
           <a:p>
             <a:pPr lvl="1" eaLnBrk="1" latinLnBrk="0" hangingPunct="1"/>
@@ -1079,6 +1076,7 @@
               <a:rPr lang="en-US" smtClean="0"/>
               <a:t>Second level</a:t>
             </a:r>
+            <a:endParaRPr lang="en-US" smtClean="0"/>
           </a:p>
           <a:p>
             <a:pPr lvl="2" eaLnBrk="1" latinLnBrk="0" hangingPunct="1"/>
@@ -1086,6 +1084,7 @@
               <a:rPr lang="en-US" smtClean="0"/>
               <a:t>Third level</a:t>
             </a:r>
+            <a:endParaRPr lang="en-US" smtClean="0"/>
           </a:p>
           <a:p>
             <a:pPr lvl="3" eaLnBrk="1" latinLnBrk="0" hangingPunct="1"/>
@@ -1093,6 +1092,7 @@
               <a:rPr lang="en-US" smtClean="0"/>
               <a:t>Fourth level</a:t>
             </a:r>
+            <a:endParaRPr lang="en-US" smtClean="0"/>
           </a:p>
           <a:p>
             <a:pPr lvl="4" eaLnBrk="1" latinLnBrk="0" hangingPunct="1"/>
@@ -1121,8 +1121,6 @@
           <a:p>
             <a:fld id="{86B5546F-C09B-4E63-ABC5-F7C86A7E8D66}" type="datetimeFigureOut">
               <a:rPr lang="en-US" smtClean="0"/>
-              <a:pPr/>
-              <a:t>7/23/2017</a:t>
             </a:fld>
             <a:endParaRPr lang="en-US"/>
           </a:p>
@@ -1164,8 +1162,6 @@
           <a:p>
             <a:fld id="{93B860E2-8DBF-4FA2-99AF-C83A9386F922}" type="slidenum">
               <a:rPr lang="en-US" smtClean="0"/>
-              <a:pPr/>
-              <a:t>‹#›</a:t>
             </a:fld>
             <a:endParaRPr lang="en-US"/>
           </a:p>
@@ -1208,8 +1204,8 @@
         </p:nvSpPr>
         <p:spPr>
           <a:xfrm>
-            <a:off x="6629400" y="274639"/>
-            <a:ext cx="1676400" cy="5851525"/>
+            <a:off x="8839200" y="274639"/>
+            <a:ext cx="2235200" cy="5851525"/>
           </a:xfrm>
         </p:spPr>
         <p:txBody>
@@ -1236,8 +1232,8 @@
         </p:nvSpPr>
         <p:spPr>
           <a:xfrm>
-            <a:off x="457200" y="274638"/>
-            <a:ext cx="6019800" cy="5851525"/>
+            <a:off x="609600" y="274638"/>
+            <a:ext cx="8026400" cy="5851525"/>
           </a:xfrm>
         </p:spPr>
         <p:txBody>
@@ -1249,6 +1245,7 @@
               <a:rPr lang="en-US" smtClean="0"/>
               <a:t>Click to edit Master text styles</a:t>
             </a:r>
+            <a:endParaRPr lang="en-US" smtClean="0"/>
           </a:p>
           <a:p>
             <a:pPr lvl="1" eaLnBrk="1" latinLnBrk="0" hangingPunct="1"/>
@@ -1256,6 +1253,7 @@
               <a:rPr lang="en-US" smtClean="0"/>
               <a:t>Second level</a:t>
             </a:r>
+            <a:endParaRPr lang="en-US" smtClean="0"/>
           </a:p>
           <a:p>
             <a:pPr lvl="2" eaLnBrk="1" latinLnBrk="0" hangingPunct="1"/>
@@ -1263,6 +1261,7 @@
               <a:rPr lang="en-US" smtClean="0"/>
               <a:t>Third level</a:t>
             </a:r>
+            <a:endParaRPr lang="en-US" smtClean="0"/>
           </a:p>
           <a:p>
             <a:pPr lvl="3" eaLnBrk="1" latinLnBrk="0" hangingPunct="1"/>
@@ -1270,6 +1269,7 @@
               <a:rPr lang="en-US" smtClean="0"/>
               <a:t>Fourth level</a:t>
             </a:r>
+            <a:endParaRPr lang="en-US" smtClean="0"/>
           </a:p>
           <a:p>
             <a:pPr lvl="4" eaLnBrk="1" latinLnBrk="0" hangingPunct="1"/>
@@ -1298,8 +1298,6 @@
           <a:p>
             <a:fld id="{86B5546F-C09B-4E63-ABC5-F7C86A7E8D66}" type="datetimeFigureOut">
               <a:rPr lang="en-US" smtClean="0"/>
-              <a:pPr/>
-              <a:t>7/23/2017</a:t>
             </a:fld>
             <a:endParaRPr lang="en-US"/>
           </a:p>
@@ -1341,8 +1339,6 @@
           <a:p>
             <a:fld id="{93B860E2-8DBF-4FA2-99AF-C83A9386F922}" type="slidenum">
               <a:rPr lang="en-US" smtClean="0"/>
-              <a:pPr/>
-              <a:t>‹#›</a:t>
             </a:fld>
             <a:endParaRPr lang="en-US"/>
           </a:p>
@@ -1408,8 +1404,8 @@
         </p:nvSpPr>
         <p:spPr>
           <a:xfrm>
-            <a:off x="457200" y="1600200"/>
-            <a:ext cx="7467600" cy="4873752"/>
+            <a:off x="609600" y="1600200"/>
+            <a:ext cx="9956800" cy="4873752"/>
           </a:xfrm>
         </p:spPr>
         <p:txBody>
@@ -1421,6 +1417,7 @@
               <a:rPr lang="en-US" smtClean="0"/>
               <a:t>Click to edit Master text styles</a:t>
             </a:r>
+            <a:endParaRPr lang="en-US" smtClean="0"/>
           </a:p>
           <a:p>
             <a:pPr lvl="1" eaLnBrk="1" latinLnBrk="0" hangingPunct="1"/>
@@ -1428,6 +1425,7 @@
               <a:rPr lang="en-US" smtClean="0"/>
               <a:t>Second level</a:t>
             </a:r>
+            <a:endParaRPr lang="en-US" smtClean="0"/>
           </a:p>
           <a:p>
             <a:pPr lvl="2" eaLnBrk="1" latinLnBrk="0" hangingPunct="1"/>
@@ -1435,6 +1433,7 @@
               <a:rPr lang="en-US" smtClean="0"/>
               <a:t>Third level</a:t>
             </a:r>
+            <a:endParaRPr lang="en-US" smtClean="0"/>
           </a:p>
           <a:p>
             <a:pPr lvl="3" eaLnBrk="1" latinLnBrk="0" hangingPunct="1"/>
@@ -1442,6 +1441,7 @@
               <a:rPr lang="en-US" smtClean="0"/>
               <a:t>Fourth level</a:t>
             </a:r>
+            <a:endParaRPr lang="en-US" smtClean="0"/>
           </a:p>
           <a:p>
             <a:pPr lvl="4" eaLnBrk="1" latinLnBrk="0" hangingPunct="1"/>
@@ -1470,8 +1470,6 @@
           <a:p>
             <a:fld id="{86B5546F-C09B-4E63-ABC5-F7C86A7E8D66}" type="datetimeFigureOut">
               <a:rPr lang="en-US" smtClean="0"/>
-              <a:pPr/>
-              <a:t>7/23/2017</a:t>
             </a:fld>
             <a:endParaRPr lang="en-US"/>
           </a:p>
@@ -1494,8 +1492,6 @@
           <a:p>
             <a:fld id="{93B860E2-8DBF-4FA2-99AF-C83A9386F922}" type="slidenum">
               <a:rPr lang="en-US" smtClean="0"/>
-              <a:pPr/>
-              <a:t>‹#›</a:t>
             </a:fld>
             <a:endParaRPr lang="en-US"/>
           </a:p>
@@ -1529,7 +1525,7 @@
 </file>
 
 <file path=ppt/slideLayouts/slideLayout3.xml><?xml version="1.0" encoding="utf-8"?>
-<p:sldLayout xmlns:a="http://schemas.openxmlformats.org/drawingml/2006/main" xmlns:r="http://schemas.openxmlformats.org/officeDocument/2006/relationships" xmlns:p="http://schemas.openxmlformats.org/presentationml/2006/main" showMasterSp="0" type="secHead" preserve="1">
+<p:sldLayout xmlns:a="http://schemas.openxmlformats.org/drawingml/2006/main" xmlns:r="http://schemas.openxmlformats.org/officeDocument/2006/relationships" xmlns:p="http://schemas.openxmlformats.org/presentationml/2006/main" type="secHead" preserve="1" showMasterSp="0">
   <p:cSld name="Section Header">
     <p:bg>
       <p:bgRef idx="1001">
@@ -1562,8 +1558,8 @@
         </p:nvSpPr>
         <p:spPr>
           <a:xfrm>
-            <a:off x="2286000" y="2895600"/>
-            <a:ext cx="6172200" cy="2053590"/>
+            <a:off x="3048000" y="2895600"/>
+            <a:ext cx="8229600" cy="2053590"/>
           </a:xfrm>
         </p:spPr>
         <p:txBody>
@@ -1595,8 +1591,8 @@
         </p:nvSpPr>
         <p:spPr>
           <a:xfrm>
-            <a:off x="2286000" y="5010150"/>
-            <a:ext cx="6172200" cy="1371600"/>
+            <a:off x="3048000" y="5010150"/>
+            <a:ext cx="8229600" cy="1371600"/>
           </a:xfrm>
         </p:spPr>
         <p:txBody>
@@ -1657,6 +1653,7 @@
               <a:rPr kumimoji="0" lang="en-US" smtClean="0"/>
               <a:t>Click to edit Master text styles</a:t>
             </a:r>
+            <a:endParaRPr kumimoji="0" lang="en-US" smtClean="0"/>
           </a:p>
         </p:txBody>
       </p:sp>
@@ -1672,8 +1669,8 @@
         </p:nvSpPr>
         <p:spPr bwMode="auto">
           <a:xfrm rot="5400000">
-            <a:off x="7763256" y="1170432"/>
-            <a:ext cx="2286000" cy="381000"/>
+            <a:off x="10351008" y="1170432"/>
+            <a:ext cx="3048000" cy="381000"/>
           </a:xfrm>
         </p:spPr>
         <p:txBody>
@@ -1682,8 +1679,6 @@
           <a:p>
             <a:fld id="{86B5546F-C09B-4E63-ABC5-F7C86A7E8D66}" type="datetimeFigureOut">
               <a:rPr lang="en-US" smtClean="0"/>
-              <a:pPr/>
-              <a:t>7/23/2017</a:t>
             </a:fld>
             <a:endParaRPr lang="en-US"/>
           </a:p>
@@ -1701,8 +1696,8 @@
         </p:nvSpPr>
         <p:spPr bwMode="auto">
           <a:xfrm rot="5400000">
-            <a:off x="7077456" y="4178808"/>
-            <a:ext cx="3657600" cy="384048"/>
+            <a:off x="9436608" y="4178808"/>
+            <a:ext cx="4876800" cy="384048"/>
           </a:xfrm>
         </p:spPr>
         <p:txBody>
@@ -1721,8 +1716,8 @@
         </p:nvSpPr>
         <p:spPr bwMode="auto">
           <a:xfrm>
-            <a:off x="381000" y="0"/>
-            <a:ext cx="609600" cy="6858000"/>
+            <a:off x="508000" y="0"/>
+            <a:ext cx="812800" cy="6858000"/>
           </a:xfrm>
           <a:prstGeom prst="rect">
             <a:avLst/>
@@ -1770,8 +1765,8 @@
         </p:nvSpPr>
         <p:spPr bwMode="auto">
           <a:xfrm>
-            <a:off x="276336" y="0"/>
-            <a:ext cx="104664" cy="6858000"/>
+            <a:off x="368448" y="0"/>
+            <a:ext cx="139552" cy="6858000"/>
           </a:xfrm>
           <a:prstGeom prst="rect">
             <a:avLst/>
@@ -1819,8 +1814,8 @@
         </p:nvSpPr>
         <p:spPr bwMode="auto">
           <a:xfrm>
-            <a:off x="990600" y="0"/>
-            <a:ext cx="181872" cy="6858000"/>
+            <a:off x="1320800" y="0"/>
+            <a:ext cx="242496" cy="6858000"/>
           </a:xfrm>
           <a:prstGeom prst="rect">
             <a:avLst/>
@@ -1868,8 +1863,8 @@
         </p:nvSpPr>
         <p:spPr bwMode="auto">
           <a:xfrm>
-            <a:off x="1141320" y="0"/>
-            <a:ext cx="230280" cy="6858000"/>
+            <a:off x="1521760" y="0"/>
+            <a:ext cx="307040" cy="6858000"/>
           </a:xfrm>
           <a:prstGeom prst="rect">
             <a:avLst/>
@@ -1919,7 +1914,7 @@
         </p:nvSpPr>
         <p:spPr bwMode="auto">
           <a:xfrm>
-            <a:off x="106344" y="0"/>
+            <a:off x="141792" y="0"/>
             <a:ext cx="0" cy="6858000"/>
           </a:xfrm>
           <a:prstGeom prst="line">
@@ -1958,7 +1953,7 @@
         </p:nvSpPr>
         <p:spPr bwMode="auto">
           <a:xfrm>
-            <a:off x="914400" y="0"/>
+            <a:off x="1219200" y="0"/>
             <a:ext cx="0" cy="6858000"/>
           </a:xfrm>
           <a:prstGeom prst="line">
@@ -1997,7 +1992,7 @@
         </p:nvSpPr>
         <p:spPr bwMode="auto">
           <a:xfrm>
-            <a:off x="854112" y="0"/>
+            <a:off x="1138816" y="0"/>
             <a:ext cx="0" cy="6858000"/>
           </a:xfrm>
           <a:prstGeom prst="line">
@@ -2035,7 +2030,7 @@
         </p:nvSpPr>
         <p:spPr bwMode="auto">
           <a:xfrm>
-            <a:off x="1726640" y="0"/>
+            <a:off x="2302187" y="0"/>
             <a:ext cx="0" cy="6858000"/>
           </a:xfrm>
           <a:prstGeom prst="line">
@@ -2074,7 +2069,7 @@
         </p:nvSpPr>
         <p:spPr bwMode="auto">
           <a:xfrm>
-            <a:off x="1066800" y="0"/>
+            <a:off x="1422400" y="0"/>
             <a:ext cx="0" cy="6858000"/>
           </a:xfrm>
           <a:prstGeom prst="line">
@@ -2110,8 +2105,8 @@
         </p:nvSpPr>
         <p:spPr bwMode="auto">
           <a:xfrm>
-            <a:off x="1219200" y="0"/>
-            <a:ext cx="76200" cy="6858000"/>
+            <a:off x="1625600" y="0"/>
+            <a:ext cx="101600" cy="6858000"/>
           </a:xfrm>
           <a:prstGeom prst="rect">
             <a:avLst/>
@@ -2159,8 +2154,8 @@
         </p:nvSpPr>
         <p:spPr bwMode="auto">
           <a:xfrm>
-            <a:off x="609600" y="3429000"/>
-            <a:ext cx="1295400" cy="1295400"/>
+            <a:off x="812800" y="3429000"/>
+            <a:ext cx="1727200" cy="1295400"/>
           </a:xfrm>
           <a:prstGeom prst="ellipse">
             <a:avLst/>
@@ -2202,8 +2197,8 @@
         </p:nvSpPr>
         <p:spPr bwMode="auto">
           <a:xfrm>
-            <a:off x="1324704" y="4866752"/>
-            <a:ext cx="641424" cy="641424"/>
+            <a:off x="1766272" y="4866752"/>
+            <a:ext cx="855232" cy="641424"/>
           </a:xfrm>
           <a:prstGeom prst="ellipse">
             <a:avLst/>
@@ -2245,8 +2240,8 @@
         </p:nvSpPr>
         <p:spPr bwMode="auto">
           <a:xfrm>
-            <a:off x="1091080" y="5500632"/>
-            <a:ext cx="137160" cy="137160"/>
+            <a:off x="1454773" y="5500632"/>
+            <a:ext cx="182880" cy="137160"/>
           </a:xfrm>
           <a:prstGeom prst="ellipse">
             <a:avLst/>
@@ -2288,8 +2283,8 @@
         </p:nvSpPr>
         <p:spPr bwMode="auto">
           <a:xfrm>
-            <a:off x="1664208" y="5791200"/>
-            <a:ext cx="274320" cy="274320"/>
+            <a:off x="2218944" y="5791200"/>
+            <a:ext cx="365760" cy="274320"/>
           </a:xfrm>
           <a:prstGeom prst="ellipse">
             <a:avLst/>
@@ -2331,8 +2326,8 @@
         </p:nvSpPr>
         <p:spPr bwMode="auto">
           <a:xfrm>
-            <a:off x="1879040" y="4479888"/>
-            <a:ext cx="365760" cy="365760"/>
+            <a:off x="2505387" y="4479888"/>
+            <a:ext cx="487680" cy="365760"/>
           </a:xfrm>
           <a:prstGeom prst="ellipse">
             <a:avLst/>
@@ -2376,7 +2371,7 @@
         </p:nvSpPr>
         <p:spPr bwMode="auto">
           <a:xfrm>
-            <a:off x="9097944" y="0"/>
+            <a:off x="12130592" y="0"/>
             <a:ext cx="0" cy="6858000"/>
           </a:xfrm>
           <a:prstGeom prst="line">
@@ -2416,8 +2411,8 @@
         </p:nvSpPr>
         <p:spPr bwMode="auto">
           <a:xfrm>
-            <a:off x="1340616" y="4928702"/>
-            <a:ext cx="609600" cy="517524"/>
+            <a:off x="1787488" y="4928702"/>
+            <a:ext cx="812800" cy="517524"/>
           </a:xfrm>
         </p:spPr>
         <p:txBody>
@@ -2426,8 +2421,6 @@
           <a:p>
             <a:fld id="{93B860E2-8DBF-4FA2-99AF-C83A9386F922}" type="slidenum">
               <a:rPr lang="en-US" smtClean="0"/>
-              <a:pPr/>
-              <a:t>‹#›</a:t>
             </a:fld>
             <a:endParaRPr lang="en-US"/>
           </a:p>
@@ -2498,8 +2491,6 @@
           <a:p>
             <a:fld id="{86B5546F-C09B-4E63-ABC5-F7C86A7E8D66}" type="datetimeFigureOut">
               <a:rPr lang="en-US" smtClean="0"/>
-              <a:pPr/>
-              <a:t>7/23/2017</a:t>
             </a:fld>
             <a:endParaRPr lang="en-US"/>
           </a:p>
@@ -2541,8 +2532,6 @@
           <a:p>
             <a:fld id="{93B860E2-8DBF-4FA2-99AF-C83A9386F922}" type="slidenum">
               <a:rPr lang="en-US" smtClean="0"/>
-              <a:pPr/>
-              <a:t>‹#›</a:t>
             </a:fld>
             <a:endParaRPr lang="en-US"/>
           </a:p>
@@ -2560,8 +2549,8 @@
         </p:nvSpPr>
         <p:spPr>
           <a:xfrm>
-            <a:off x="457200" y="1600200"/>
-            <a:ext cx="3657600" cy="4572000"/>
+            <a:off x="609600" y="1600200"/>
+            <a:ext cx="4876800" cy="4572000"/>
           </a:xfrm>
         </p:spPr>
         <p:txBody>
@@ -2573,6 +2562,7 @@
               <a:rPr lang="en-US" smtClean="0"/>
               <a:t>Click to edit Master text styles</a:t>
             </a:r>
+            <a:endParaRPr lang="en-US" smtClean="0"/>
           </a:p>
           <a:p>
             <a:pPr lvl="1" eaLnBrk="1" latinLnBrk="0" hangingPunct="1"/>
@@ -2580,6 +2570,7 @@
               <a:rPr lang="en-US" smtClean="0"/>
               <a:t>Second level</a:t>
             </a:r>
+            <a:endParaRPr lang="en-US" smtClean="0"/>
           </a:p>
           <a:p>
             <a:pPr lvl="2" eaLnBrk="1" latinLnBrk="0" hangingPunct="1"/>
@@ -2587,6 +2578,7 @@
               <a:rPr lang="en-US" smtClean="0"/>
               <a:t>Third level</a:t>
             </a:r>
+            <a:endParaRPr lang="en-US" smtClean="0"/>
           </a:p>
           <a:p>
             <a:pPr lvl="3" eaLnBrk="1" latinLnBrk="0" hangingPunct="1"/>
@@ -2594,6 +2586,7 @@
               <a:rPr lang="en-US" smtClean="0"/>
               <a:t>Fourth level</a:t>
             </a:r>
+            <a:endParaRPr lang="en-US" smtClean="0"/>
           </a:p>
           <a:p>
             <a:pPr lvl="4" eaLnBrk="1" latinLnBrk="0" hangingPunct="1"/>
@@ -2617,8 +2610,8 @@
         </p:nvSpPr>
         <p:spPr>
           <a:xfrm>
-            <a:off x="4270248" y="1600200"/>
-            <a:ext cx="3657600" cy="4572000"/>
+            <a:off x="5693664" y="1600200"/>
+            <a:ext cx="4876800" cy="4572000"/>
           </a:xfrm>
         </p:spPr>
         <p:txBody>
@@ -2630,6 +2623,7 @@
               <a:rPr lang="en-US" smtClean="0"/>
               <a:t>Click to edit Master text styles</a:t>
             </a:r>
+            <a:endParaRPr lang="en-US" smtClean="0"/>
           </a:p>
           <a:p>
             <a:pPr lvl="1" eaLnBrk="1" latinLnBrk="0" hangingPunct="1"/>
@@ -2637,6 +2631,7 @@
               <a:rPr lang="en-US" smtClean="0"/>
               <a:t>Second level</a:t>
             </a:r>
+            <a:endParaRPr lang="en-US" smtClean="0"/>
           </a:p>
           <a:p>
             <a:pPr lvl="2" eaLnBrk="1" latinLnBrk="0" hangingPunct="1"/>
@@ -2644,6 +2639,7 @@
               <a:rPr lang="en-US" smtClean="0"/>
               <a:t>Third level</a:t>
             </a:r>
+            <a:endParaRPr lang="en-US" smtClean="0"/>
           </a:p>
           <a:p>
             <a:pPr lvl="3" eaLnBrk="1" latinLnBrk="0" hangingPunct="1"/>
@@ -2651,6 +2647,7 @@
               <a:rPr lang="en-US" smtClean="0"/>
               <a:t>Fourth level</a:t>
             </a:r>
+            <a:endParaRPr lang="en-US" smtClean="0"/>
           </a:p>
           <a:p>
             <a:pPr lvl="4" eaLnBrk="1" latinLnBrk="0" hangingPunct="1"/>
@@ -2699,8 +2696,8 @@
         </p:nvSpPr>
         <p:spPr>
           <a:xfrm>
-            <a:off x="457200" y="273050"/>
-            <a:ext cx="7543800" cy="1143000"/>
+            <a:off x="609600" y="273050"/>
+            <a:ext cx="10058400" cy="1143000"/>
           </a:xfrm>
         </p:spPr>
         <p:txBody>
@@ -2736,8 +2733,6 @@
           <a:p>
             <a:fld id="{86B5546F-C09B-4E63-ABC5-F7C86A7E8D66}" type="datetimeFigureOut">
               <a:rPr lang="en-US" smtClean="0"/>
-              <a:pPr/>
-              <a:t>7/23/2017</a:t>
             </a:fld>
             <a:endParaRPr lang="en-US"/>
           </a:p>
@@ -2779,8 +2774,6 @@
           <a:p>
             <a:fld id="{93B860E2-8DBF-4FA2-99AF-C83A9386F922}" type="slidenum">
               <a:rPr lang="en-US" smtClean="0"/>
-              <a:pPr/>
-              <a:t>‹#›</a:t>
             </a:fld>
             <a:endParaRPr lang="en-US"/>
           </a:p>
@@ -2798,8 +2791,8 @@
         </p:nvSpPr>
         <p:spPr>
           <a:xfrm>
-            <a:off x="457200" y="2362200"/>
-            <a:ext cx="3657600" cy="3886200"/>
+            <a:off x="609600" y="2362200"/>
+            <a:ext cx="4876800" cy="3886200"/>
           </a:xfrm>
         </p:spPr>
         <p:txBody>
@@ -2811,6 +2804,7 @@
               <a:rPr lang="en-US" smtClean="0"/>
               <a:t>Click to edit Master text styles</a:t>
             </a:r>
+            <a:endParaRPr lang="en-US" smtClean="0"/>
           </a:p>
           <a:p>
             <a:pPr lvl="1" eaLnBrk="1" latinLnBrk="0" hangingPunct="1"/>
@@ -2818,6 +2812,7 @@
               <a:rPr lang="en-US" smtClean="0"/>
               <a:t>Second level</a:t>
             </a:r>
+            <a:endParaRPr lang="en-US" smtClean="0"/>
           </a:p>
           <a:p>
             <a:pPr lvl="2" eaLnBrk="1" latinLnBrk="0" hangingPunct="1"/>
@@ -2825,6 +2820,7 @@
               <a:rPr lang="en-US" smtClean="0"/>
               <a:t>Third level</a:t>
             </a:r>
+            <a:endParaRPr lang="en-US" smtClean="0"/>
           </a:p>
           <a:p>
             <a:pPr lvl="3" eaLnBrk="1" latinLnBrk="0" hangingPunct="1"/>
@@ -2832,6 +2828,7 @@
               <a:rPr lang="en-US" smtClean="0"/>
               <a:t>Fourth level</a:t>
             </a:r>
+            <a:endParaRPr lang="en-US" smtClean="0"/>
           </a:p>
           <a:p>
             <a:pPr lvl="4" eaLnBrk="1" latinLnBrk="0" hangingPunct="1"/>
@@ -2855,8 +2852,8 @@
         </p:nvSpPr>
         <p:spPr>
           <a:xfrm>
-            <a:off x="4371975" y="2362200"/>
-            <a:ext cx="3657600" cy="3886200"/>
+            <a:off x="5829300" y="2362200"/>
+            <a:ext cx="4876800" cy="3886200"/>
           </a:xfrm>
         </p:spPr>
         <p:txBody>
@@ -2868,6 +2865,7 @@
               <a:rPr lang="en-US" smtClean="0"/>
               <a:t>Click to edit Master text styles</a:t>
             </a:r>
+            <a:endParaRPr lang="en-US" smtClean="0"/>
           </a:p>
           <a:p>
             <a:pPr lvl="1" eaLnBrk="1" latinLnBrk="0" hangingPunct="1"/>
@@ -2875,6 +2873,7 @@
               <a:rPr lang="en-US" smtClean="0"/>
               <a:t>Second level</a:t>
             </a:r>
+            <a:endParaRPr lang="en-US" smtClean="0"/>
           </a:p>
           <a:p>
             <a:pPr lvl="2" eaLnBrk="1" latinLnBrk="0" hangingPunct="1"/>
@@ -2882,6 +2881,7 @@
               <a:rPr lang="en-US" smtClean="0"/>
               <a:t>Third level</a:t>
             </a:r>
+            <a:endParaRPr lang="en-US" smtClean="0"/>
           </a:p>
           <a:p>
             <a:pPr lvl="3" eaLnBrk="1" latinLnBrk="0" hangingPunct="1"/>
@@ -2889,6 +2889,7 @@
               <a:rPr lang="en-US" smtClean="0"/>
               <a:t>Fourth level</a:t>
             </a:r>
+            <a:endParaRPr lang="en-US" smtClean="0"/>
           </a:p>
           <a:p>
             <a:pPr lvl="4" eaLnBrk="1" latinLnBrk="0" hangingPunct="1"/>
@@ -2912,8 +2913,8 @@
         </p:nvSpPr>
         <p:spPr>
           <a:xfrm>
-            <a:off x="457200" y="1569720"/>
-            <a:ext cx="3657600" cy="658368"/>
+            <a:off x="609600" y="1569720"/>
+            <a:ext cx="4876800" cy="658368"/>
           </a:xfrm>
           <a:prstGeom prst="roundRect">
             <a:avLst>
@@ -2945,6 +2946,7 @@
               <a:rPr kumimoji="0" lang="en-US" smtClean="0"/>
               <a:t>Click to edit Master text styles</a:t>
             </a:r>
+            <a:endParaRPr kumimoji="0" lang="en-US" smtClean="0"/>
           </a:p>
         </p:txBody>
       </p:sp>
@@ -2960,8 +2962,8 @@
         </p:nvSpPr>
         <p:spPr>
           <a:xfrm>
-            <a:off x="4343400" y="1569720"/>
-            <a:ext cx="3657600" cy="658368"/>
+            <a:off x="5791200" y="1569720"/>
+            <a:ext cx="4876800" cy="658368"/>
           </a:xfrm>
           <a:prstGeom prst="roundRect">
             <a:avLst>
@@ -2993,6 +2995,7 @@
               <a:rPr kumimoji="0" lang="en-US" smtClean="0"/>
               <a:t>Click to edit Master text styles</a:t>
             </a:r>
+            <a:endParaRPr kumimoji="0" lang="en-US" smtClean="0"/>
           </a:p>
         </p:txBody>
       </p:sp>
@@ -3061,8 +3064,6 @@
           <a:p>
             <a:fld id="{86B5546F-C09B-4E63-ABC5-F7C86A7E8D66}" type="datetimeFigureOut">
               <a:rPr lang="en-US" smtClean="0"/>
-              <a:pPr/>
-              <a:t>7/23/2017</a:t>
             </a:fld>
             <a:endParaRPr lang="en-US"/>
           </a:p>
@@ -3085,8 +3086,6 @@
           <a:p>
             <a:fld id="{93B860E2-8DBF-4FA2-99AF-C83A9386F922}" type="slidenum">
               <a:rPr lang="en-US" smtClean="0"/>
-              <a:pPr/>
-              <a:t>‹#›</a:t>
             </a:fld>
             <a:endParaRPr lang="en-US"/>
           </a:p>
@@ -3153,8 +3152,6 @@
           <a:p>
             <a:fld id="{86B5546F-C09B-4E63-ABC5-F7C86A7E8D66}" type="datetimeFigureOut">
               <a:rPr lang="en-US" smtClean="0"/>
-              <a:pPr/>
-              <a:t>7/23/2017</a:t>
             </a:fld>
             <a:endParaRPr lang="en-US"/>
           </a:p>
@@ -3196,8 +3193,6 @@
           <a:p>
             <a:fld id="{93B860E2-8DBF-4FA2-99AF-C83A9386F922}" type="slidenum">
               <a:rPr lang="en-US" smtClean="0"/>
-              <a:pPr/>
-              <a:t>‹#›</a:t>
             </a:fld>
             <a:endParaRPr lang="en-US"/>
           </a:p>
@@ -3212,7 +3207,7 @@
 </file>
 
 <file path=ppt/slideLayouts/slideLayout8.xml><?xml version="1.0" encoding="utf-8"?>
-<p:sldLayout xmlns:a="http://schemas.openxmlformats.org/drawingml/2006/main" xmlns:r="http://schemas.openxmlformats.org/officeDocument/2006/relationships" xmlns:p="http://schemas.openxmlformats.org/presentationml/2006/main" showMasterSp="0" type="objTx" preserve="1">
+<p:sldLayout xmlns:a="http://schemas.openxmlformats.org/drawingml/2006/main" xmlns:r="http://schemas.openxmlformats.org/officeDocument/2006/relationships" xmlns:p="http://schemas.openxmlformats.org/presentationml/2006/main" type="objTx" preserve="1" showMasterSp="0">
   <p:cSld name="Content with Caption">
     <p:bg>
       <p:bgRef idx="1001">
@@ -3243,7 +3238,7 @@
         </p:nvSpPr>
         <p:spPr bwMode="auto">
           <a:xfrm>
-            <a:off x="8763000" y="0"/>
+            <a:off x="11684000" y="0"/>
             <a:ext cx="0" cy="6858000"/>
           </a:xfrm>
           <a:prstGeom prst="line">
@@ -3284,8 +3279,8 @@
         </p:nvSpPr>
         <p:spPr>
           <a:xfrm rot="5400000">
-            <a:off x="3371850" y="3200400"/>
-            <a:ext cx="6309360" cy="457200"/>
+            <a:off x="4495800" y="3200400"/>
+            <a:ext cx="8412480" cy="457200"/>
           </a:xfrm>
         </p:spPr>
         <p:txBody>
@@ -3317,8 +3312,8 @@
         </p:nvSpPr>
         <p:spPr>
           <a:xfrm>
-            <a:off x="6812280" y="274320"/>
-            <a:ext cx="1527048" cy="4983480"/>
+            <a:off x="9083040" y="274320"/>
+            <a:ext cx="2036064" cy="4983480"/>
           </a:xfrm>
         </p:spPr>
         <p:txBody>
@@ -3357,6 +3352,7 @@
               <a:rPr kumimoji="0" lang="en-US" smtClean="0"/>
               <a:t>Click to edit Master text styles</a:t>
             </a:r>
+            <a:endParaRPr kumimoji="0" lang="en-US" smtClean="0"/>
           </a:p>
         </p:txBody>
       </p:sp>
@@ -3370,7 +3366,7 @@
         </p:nvSpPr>
         <p:spPr bwMode="auto">
           <a:xfrm>
-            <a:off x="6248400" y="0"/>
+            <a:off x="8331200" y="0"/>
             <a:ext cx="0" cy="6858000"/>
           </a:xfrm>
           <a:prstGeom prst="line">
@@ -3408,7 +3404,7 @@
         </p:nvSpPr>
         <p:spPr bwMode="auto">
           <a:xfrm>
-            <a:off x="6192296" y="0"/>
+            <a:off x="8256395" y="0"/>
             <a:ext cx="0" cy="6858000"/>
           </a:xfrm>
           <a:prstGeom prst="line">
@@ -3444,7 +3440,7 @@
         </p:nvSpPr>
         <p:spPr bwMode="auto">
           <a:xfrm>
-            <a:off x="8991600" y="0"/>
+            <a:off x="11988800" y="0"/>
             <a:ext cx="0" cy="6858000"/>
           </a:xfrm>
           <a:prstGeom prst="line">
@@ -3478,8 +3474,8 @@
         </p:nvSpPr>
         <p:spPr bwMode="auto">
           <a:xfrm>
-            <a:off x="8839200" y="0"/>
-            <a:ext cx="304800" cy="6858000"/>
+            <a:off x="11785600" y="0"/>
+            <a:ext cx="406400" cy="6858000"/>
           </a:xfrm>
           <a:prstGeom prst="rect">
             <a:avLst/>
@@ -3529,7 +3525,7 @@
         </p:nvSpPr>
         <p:spPr bwMode="auto">
           <a:xfrm>
-            <a:off x="8915400" y="0"/>
+            <a:off x="11887200" y="0"/>
             <a:ext cx="0" cy="6858000"/>
           </a:xfrm>
           <a:prstGeom prst="line">
@@ -3563,8 +3559,8 @@
         </p:nvSpPr>
         <p:spPr>
           <a:xfrm>
-            <a:off x="8156448" y="5715000"/>
-            <a:ext cx="548640" cy="548640"/>
+            <a:off x="10875264" y="5715000"/>
+            <a:ext cx="731520" cy="548640"/>
           </a:xfrm>
           <a:prstGeom prst="ellipse">
             <a:avLst/>
@@ -3610,8 +3606,8 @@
         </p:nvSpPr>
         <p:spPr>
           <a:xfrm>
-            <a:off x="304800" y="274320"/>
-            <a:ext cx="5638800" cy="6327648"/>
+            <a:off x="406400" y="274320"/>
+            <a:ext cx="7518400" cy="6327648"/>
           </a:xfrm>
         </p:spPr>
         <p:txBody>
@@ -3623,6 +3619,7 @@
               <a:rPr lang="en-US" smtClean="0"/>
               <a:t>Click to edit Master text styles</a:t>
             </a:r>
+            <a:endParaRPr lang="en-US" smtClean="0"/>
           </a:p>
           <a:p>
             <a:pPr lvl="1" eaLnBrk="1" latinLnBrk="0" hangingPunct="1"/>
@@ -3630,6 +3627,7 @@
               <a:rPr lang="en-US" smtClean="0"/>
               <a:t>Second level</a:t>
             </a:r>
+            <a:endParaRPr lang="en-US" smtClean="0"/>
           </a:p>
           <a:p>
             <a:pPr lvl="2" eaLnBrk="1" latinLnBrk="0" hangingPunct="1"/>
@@ -3637,6 +3635,7 @@
               <a:rPr lang="en-US" smtClean="0"/>
               <a:t>Third level</a:t>
             </a:r>
+            <a:endParaRPr lang="en-US" smtClean="0"/>
           </a:p>
           <a:p>
             <a:pPr lvl="3" eaLnBrk="1" latinLnBrk="0" hangingPunct="1"/>
@@ -3644,6 +3643,7 @@
               <a:rPr lang="en-US" smtClean="0"/>
               <a:t>Fourth level</a:t>
             </a:r>
+            <a:endParaRPr lang="en-US" smtClean="0"/>
           </a:p>
           <a:p>
             <a:pPr lvl="4" eaLnBrk="1" latinLnBrk="0" hangingPunct="1"/>
@@ -3672,8 +3672,6 @@
           <a:p>
             <a:fld id="{86B5546F-C09B-4E63-ABC5-F7C86A7E8D66}" type="datetimeFigureOut">
               <a:rPr lang="en-US" smtClean="0"/>
-              <a:pPr/>
-              <a:t>7/23/2017</a:t>
             </a:fld>
             <a:endParaRPr lang="en-US"/>
           </a:p>
@@ -3696,8 +3694,6 @@
           <a:p>
             <a:fld id="{93B860E2-8DBF-4FA2-99AF-C83A9386F922}" type="slidenum">
               <a:rPr lang="en-US" smtClean="0"/>
-              <a:pPr/>
-              <a:t>‹#›</a:t>
             </a:fld>
             <a:endParaRPr lang="en-US"/>
           </a:p>
@@ -3731,7 +3727,7 @@
 </file>
 
 <file path=ppt/slideLayouts/slideLayout9.xml><?xml version="1.0" encoding="utf-8"?>
-<p:sldLayout xmlns:a="http://schemas.openxmlformats.org/drawingml/2006/main" xmlns:r="http://schemas.openxmlformats.org/officeDocument/2006/relationships" xmlns:p="http://schemas.openxmlformats.org/presentationml/2006/main" showMasterSp="0" type="picTx" preserve="1">
+<p:sldLayout xmlns:a="http://schemas.openxmlformats.org/drawingml/2006/main" xmlns:r="http://schemas.openxmlformats.org/officeDocument/2006/relationships" xmlns:p="http://schemas.openxmlformats.org/presentationml/2006/main" type="picTx" preserve="1" showMasterSp="0">
   <p:cSld name="Picture with Caption">
     <p:spTree>
       <p:nvGrpSpPr>
@@ -3757,7 +3753,7 @@
         </p:nvSpPr>
         <p:spPr bwMode="auto">
           <a:xfrm>
-            <a:off x="8763000" y="0"/>
+            <a:off x="11684000" y="0"/>
             <a:ext cx="0" cy="6858000"/>
           </a:xfrm>
           <a:prstGeom prst="line">
@@ -3793,8 +3789,8 @@
         </p:nvSpPr>
         <p:spPr>
           <a:xfrm>
-            <a:off x="8156448" y="5715000"/>
-            <a:ext cx="548640" cy="548640"/>
+            <a:off x="10875264" y="5715000"/>
+            <a:ext cx="731520" cy="548640"/>
           </a:xfrm>
           <a:prstGeom prst="ellipse">
             <a:avLst/>
@@ -3840,8 +3836,8 @@
         </p:nvSpPr>
         <p:spPr>
           <a:xfrm rot="5400000">
-            <a:off x="3350133" y="3200400"/>
-            <a:ext cx="6309360" cy="457200"/>
+            <a:off x="4466844" y="3200400"/>
+            <a:ext cx="8412480" cy="457200"/>
           </a:xfrm>
         </p:spPr>
         <p:txBody>
@@ -3874,7 +3870,7 @@
         <p:spPr>
           <a:xfrm>
             <a:off x="0" y="0"/>
-            <a:ext cx="6172200" cy="6858000"/>
+            <a:ext cx="8229600" cy="6858000"/>
           </a:xfrm>
           <a:solidFill>
             <a:schemeClr val="bg2"/>
@@ -3932,8 +3928,8 @@
         </p:nvSpPr>
         <p:spPr>
           <a:xfrm>
-            <a:off x="6765798" y="264795"/>
-            <a:ext cx="1524000" cy="4956048"/>
+            <a:off x="9021064" y="264795"/>
+            <a:ext cx="2032000" cy="4956048"/>
           </a:xfrm>
         </p:spPr>
         <p:txBody>
@@ -3971,6 +3967,7 @@
               <a:rPr kumimoji="0" lang="en-US" smtClean="0"/>
               <a:t>Click to edit Master text styles</a:t>
             </a:r>
+            <a:endParaRPr kumimoji="0" lang="en-US" smtClean="0"/>
           </a:p>
         </p:txBody>
       </p:sp>
@@ -3984,7 +3981,7 @@
         </p:nvSpPr>
         <p:spPr bwMode="auto">
           <a:xfrm>
-            <a:off x="8991600" y="0"/>
+            <a:off x="11988800" y="0"/>
             <a:ext cx="0" cy="6858000"/>
           </a:xfrm>
           <a:prstGeom prst="line">
@@ -4018,8 +4015,8 @@
         </p:nvSpPr>
         <p:spPr bwMode="auto">
           <a:xfrm>
-            <a:off x="8839200" y="0"/>
-            <a:ext cx="304800" cy="6858000"/>
+            <a:off x="11785600" y="0"/>
+            <a:ext cx="406400" cy="6858000"/>
           </a:xfrm>
           <a:prstGeom prst="rect">
             <a:avLst/>
@@ -4068,7 +4065,7 @@
         </p:nvSpPr>
         <p:spPr bwMode="auto">
           <a:xfrm>
-            <a:off x="8915400" y="0"/>
+            <a:off x="11887200" y="0"/>
             <a:ext cx="0" cy="6858000"/>
           </a:xfrm>
           <a:prstGeom prst="line">
@@ -4104,7 +4101,7 @@
         </p:nvSpPr>
         <p:spPr bwMode="auto">
           <a:xfrm>
-            <a:off x="6248400" y="0"/>
+            <a:off x="8331200" y="0"/>
             <a:ext cx="0" cy="6858000"/>
           </a:xfrm>
           <a:prstGeom prst="line">
@@ -4142,7 +4139,7 @@
         </p:nvSpPr>
         <p:spPr bwMode="auto">
           <a:xfrm>
-            <a:off x="6192296" y="0"/>
+            <a:off x="8256395" y="0"/>
             <a:ext cx="0" cy="6858000"/>
           </a:xfrm>
           <a:prstGeom prst="line">
@@ -4185,8 +4182,6 @@
           <a:p>
             <a:fld id="{86B5546F-C09B-4E63-ABC5-F7C86A7E8D66}" type="datetimeFigureOut">
               <a:rPr lang="en-US" smtClean="0"/>
-              <a:pPr/>
-              <a:t>7/23/2017</a:t>
             </a:fld>
             <a:endParaRPr lang="en-US"/>
           </a:p>
@@ -4209,8 +4204,6 @@
           <a:p>
             <a:fld id="{93B860E2-8DBF-4FA2-99AF-C83A9386F922}" type="slidenum">
               <a:rPr lang="en-US" smtClean="0"/>
-              <a:pPr/>
-              <a:t>‹#›</a:t>
             </a:fld>
             <a:endParaRPr lang="en-US"/>
           </a:p>
@@ -4275,7 +4268,7 @@
         </p:nvSpPr>
         <p:spPr bwMode="auto">
           <a:xfrm>
-            <a:off x="8763000" y="0"/>
+            <a:off x="11684000" y="0"/>
             <a:ext cx="0" cy="6858000"/>
           </a:xfrm>
           <a:prstGeom prst="line">
@@ -4316,8 +4309,8 @@
         </p:nvSpPr>
         <p:spPr>
           <a:xfrm>
-            <a:off x="457200" y="274638"/>
-            <a:ext cx="7467600" cy="1143000"/>
+            <a:off x="609600" y="274638"/>
+            <a:ext cx="9956800" cy="1143000"/>
           </a:xfrm>
           <a:prstGeom prst="rect">
             <a:avLst/>
@@ -4349,8 +4342,8 @@
         </p:nvSpPr>
         <p:spPr>
           <a:xfrm>
-            <a:off x="457200" y="1600200"/>
-            <a:ext cx="7467600" cy="4873752"/>
+            <a:off x="609600" y="1600200"/>
+            <a:ext cx="9956800" cy="4873752"/>
           </a:xfrm>
           <a:prstGeom prst="rect">
             <a:avLst/>
@@ -4367,6 +4360,7 @@
               <a:rPr kumimoji="0" lang="en-US" smtClean="0"/>
               <a:t>Click to edit Master text styles</a:t>
             </a:r>
+            <a:endParaRPr kumimoji="0" lang="en-US" smtClean="0"/>
           </a:p>
           <a:p>
             <a:pPr lvl="1" eaLnBrk="1" latinLnBrk="0" hangingPunct="1"/>
@@ -4374,6 +4368,7 @@
               <a:rPr kumimoji="0" lang="en-US" smtClean="0"/>
               <a:t>Second level</a:t>
             </a:r>
+            <a:endParaRPr kumimoji="0" lang="en-US" smtClean="0"/>
           </a:p>
           <a:p>
             <a:pPr lvl="2" eaLnBrk="1" latinLnBrk="0" hangingPunct="1"/>
@@ -4381,6 +4376,7 @@
               <a:rPr kumimoji="0" lang="en-US" smtClean="0"/>
               <a:t>Third level</a:t>
             </a:r>
+            <a:endParaRPr kumimoji="0" lang="en-US" smtClean="0"/>
           </a:p>
           <a:p>
             <a:pPr lvl="3" eaLnBrk="1" latinLnBrk="0" hangingPunct="1"/>
@@ -4388,6 +4384,7 @@
               <a:rPr kumimoji="0" lang="en-US" smtClean="0"/>
               <a:t>Fourth level</a:t>
             </a:r>
+            <a:endParaRPr kumimoji="0" lang="en-US" smtClean="0"/>
           </a:p>
           <a:p>
             <a:pPr lvl="4" eaLnBrk="1" latinLnBrk="0" hangingPunct="1"/>
@@ -4411,8 +4408,8 @@
         </p:nvSpPr>
         <p:spPr>
           <a:xfrm rot="5400000">
-            <a:off x="7589520" y="1081851"/>
-            <a:ext cx="2011680" cy="384048"/>
+            <a:off x="10119360" y="1081851"/>
+            <a:ext cx="2682240" cy="384048"/>
           </a:xfrm>
           <a:prstGeom prst="rect">
             <a:avLst/>
@@ -4432,8 +4429,6 @@
           <a:p>
             <a:fld id="{86B5546F-C09B-4E63-ABC5-F7C86A7E8D66}" type="datetimeFigureOut">
               <a:rPr lang="en-US" smtClean="0"/>
-              <a:pPr/>
-              <a:t>7/23/2017</a:t>
             </a:fld>
             <a:endParaRPr lang="en-US"/>
           </a:p>
@@ -4451,8 +4446,8 @@
         </p:nvSpPr>
         <p:spPr>
           <a:xfrm rot="5400000">
-            <a:off x="6990186" y="3737240"/>
-            <a:ext cx="3200400" cy="365760"/>
+            <a:off x="9320248" y="3737240"/>
+            <a:ext cx="4267200" cy="365760"/>
           </a:xfrm>
           <a:prstGeom prst="rect">
             <a:avLst/>
@@ -4484,7 +4479,7 @@
         </p:nvSpPr>
         <p:spPr bwMode="auto">
           <a:xfrm>
-            <a:off x="76200" y="0"/>
+            <a:off x="101600" y="0"/>
             <a:ext cx="0" cy="6858000"/>
           </a:xfrm>
           <a:prstGeom prst="line">
@@ -4522,7 +4517,7 @@
         </p:nvSpPr>
         <p:spPr bwMode="auto">
           <a:xfrm>
-            <a:off x="8991600" y="0"/>
+            <a:off x="11988800" y="0"/>
             <a:ext cx="0" cy="6858000"/>
           </a:xfrm>
           <a:prstGeom prst="line">
@@ -4556,8 +4551,8 @@
         </p:nvSpPr>
         <p:spPr bwMode="auto">
           <a:xfrm>
-            <a:off x="8839200" y="0"/>
-            <a:ext cx="304800" cy="6858000"/>
+            <a:off x="11785600" y="0"/>
+            <a:ext cx="406400" cy="6858000"/>
           </a:xfrm>
           <a:prstGeom prst="rect">
             <a:avLst/>
@@ -4607,7 +4602,7 @@
         </p:nvSpPr>
         <p:spPr bwMode="auto">
           <a:xfrm>
-            <a:off x="8915400" y="0"/>
+            <a:off x="11887200" y="0"/>
             <a:ext cx="0" cy="6858000"/>
           </a:xfrm>
           <a:prstGeom prst="line">
@@ -4641,8 +4636,8 @@
         </p:nvSpPr>
         <p:spPr>
           <a:xfrm>
-            <a:off x="8156448" y="5715000"/>
-            <a:ext cx="548640" cy="548640"/>
+            <a:off x="10875264" y="5715000"/>
+            <a:ext cx="731520" cy="548640"/>
           </a:xfrm>
           <a:prstGeom prst="ellipse">
             <a:avLst/>
@@ -4688,8 +4683,8 @@
         </p:nvSpPr>
         <p:spPr>
           <a:xfrm>
-            <a:off x="8129016" y="5734050"/>
-            <a:ext cx="609600" cy="521208"/>
+            <a:off x="10838688" y="5734050"/>
+            <a:ext cx="812800" cy="521208"/>
           </a:xfrm>
           <a:prstGeom prst="rect">
             <a:avLst/>
@@ -4709,8 +4704,6 @@
           <a:p>
             <a:fld id="{93B860E2-8DBF-4FA2-99AF-C83A9386F922}" type="slidenum">
               <a:rPr lang="en-US" smtClean="0"/>
-              <a:pPr/>
-              <a:t>‹#›</a:t>
             </a:fld>
             <a:endParaRPr lang="en-US"/>
           </a:p>
@@ -4720,17 +4713,17 @@
   </p:cSld>
   <p:clrMap bg1="lt1" tx1="dk1" bg2="lt2" tx2="dk2" accent1="accent1" accent2="accent2" accent3="accent3" accent4="accent4" accent5="accent5" accent6="accent6" hlink="hlink" folHlink="folHlink"/>
   <p:sldLayoutIdLst>
-    <p:sldLayoutId id="2147483661" r:id="rId1"/>
-    <p:sldLayoutId id="2147483662" r:id="rId2"/>
-    <p:sldLayoutId id="2147483663" r:id="rId3"/>
-    <p:sldLayoutId id="2147483664" r:id="rId4"/>
-    <p:sldLayoutId id="2147483665" r:id="rId5"/>
-    <p:sldLayoutId id="2147483666" r:id="rId6"/>
-    <p:sldLayoutId id="2147483667" r:id="rId7"/>
-    <p:sldLayoutId id="2147483668" r:id="rId8"/>
-    <p:sldLayoutId id="2147483669" r:id="rId9"/>
-    <p:sldLayoutId id="2147483670" r:id="rId10"/>
-    <p:sldLayoutId id="2147483671" r:id="rId11"/>
+    <p:sldLayoutId id="2147483649" r:id="rId1"/>
+    <p:sldLayoutId id="2147483650" r:id="rId2"/>
+    <p:sldLayoutId id="2147483651" r:id="rId3"/>
+    <p:sldLayoutId id="2147483652" r:id="rId4"/>
+    <p:sldLayoutId id="2147483653" r:id="rId5"/>
+    <p:sldLayoutId id="2147483654" r:id="rId6"/>
+    <p:sldLayoutId id="2147483655" r:id="rId7"/>
+    <p:sldLayoutId id="2147483656" r:id="rId8"/>
+    <p:sldLayoutId id="2147483657" r:id="rId9"/>
+    <p:sldLayoutId id="2147483658" r:id="rId10"/>
+    <p:sldLayoutId id="2147483659" r:id="rId11"/>
   </p:sldLayoutIdLst>
   <p:txStyles>
     <p:titleStyle>
@@ -5340,8 +5333,8 @@
         </p:nvSpPr>
         <p:spPr>
           <a:xfrm>
-            <a:off x="0" y="0"/>
-            <a:ext cx="9144000" cy="7010400"/>
+            <a:off x="152400" y="0"/>
+            <a:ext cx="11598910" cy="6818630"/>
           </a:xfrm>
         </p:spPr>
         <p:txBody>
@@ -5390,6 +5383,10 @@
               </a:rPr>
               <a:t> </a:t>
             </a:r>
+            <a:endParaRPr lang="en-US" altLang="zh-TW" sz="6000" dirty="0" smtClean="0">
+              <a:latin typeface="微軟正黑體" pitchFamily="34" charset="-120"/>
+              <a:ea typeface="微軟正黑體" pitchFamily="34" charset="-120"/>
+            </a:endParaRPr>
           </a:p>
         </p:txBody>
       </p:sp>
@@ -5430,8 +5427,8 @@
         </p:nvSpPr>
         <p:spPr>
           <a:xfrm>
-            <a:off x="0" y="0"/>
-            <a:ext cx="9144000" cy="7010400"/>
+            <a:off x="152400" y="0"/>
+            <a:ext cx="11598910" cy="6818630"/>
           </a:xfrm>
         </p:spPr>
         <p:txBody>
@@ -5444,15 +5441,9 @@
               <a:rPr lang="zh-TW" altLang="en-US" sz="6000" b="1" dirty="0" smtClean="0">
                 <a:latin typeface="微軟正黑體" pitchFamily="34" charset="-120"/>
                 <a:ea typeface="微軟正黑體" pitchFamily="34" charset="-120"/>
+                <a:sym typeface="+mn-ea"/>
               </a:rPr>
-              <a:t>不要自以為有智慧；要敬畏耶和華，遠離惡事</a:t>
-            </a:r>
-            <a:r>
-              <a:rPr lang="zh-TW" altLang="en-US" sz="6000" b="1" dirty="0" smtClean="0">
-                <a:latin typeface="微軟正黑體" pitchFamily="34" charset="-120"/>
-                <a:ea typeface="微軟正黑體" pitchFamily="34" charset="-120"/>
-              </a:rPr>
-              <a:t>。</a:t>
+              <a:t>不要自以為有智慧；要敬畏耶和華，遠離惡事。</a:t>
             </a:r>
             <a:endParaRPr lang="en-US" altLang="zh-TW" sz="6000" dirty="0" smtClean="0">
               <a:latin typeface="微軟正黑體" pitchFamily="34" charset="-120"/>
@@ -5464,22 +5455,9 @@
               <a:rPr lang="zh-TW" altLang="en-US" sz="6000" dirty="0" smtClean="0">
                 <a:latin typeface="微軟正黑體" pitchFamily="34" charset="-120"/>
                 <a:ea typeface="微軟正黑體" pitchFamily="34" charset="-120"/>
+                <a:sym typeface="+mn-ea"/>
               </a:rPr>
-              <a:t>得</a:t>
-            </a:r>
-            <a:r>
-              <a:rPr lang="zh-TW" altLang="en-US" sz="6000" dirty="0" smtClean="0">
-                <a:latin typeface="微軟正黑體" pitchFamily="34" charset="-120"/>
-                <a:ea typeface="微軟正黑體" pitchFamily="34" charset="-120"/>
-              </a:rPr>
-              <a:t>智慧，得聰明的，這人便為有福。因為得智慧勝過得銀子，其利益強如精金</a:t>
-            </a:r>
-            <a:r>
-              <a:rPr lang="zh-TW" altLang="en-US" sz="6000" dirty="0" smtClean="0">
-                <a:latin typeface="微軟正黑體" pitchFamily="34" charset="-120"/>
-                <a:ea typeface="微軟正黑體" pitchFamily="34" charset="-120"/>
-              </a:rPr>
-              <a:t>，</a:t>
+              <a:t>得智慧，得聰明的，這人便為有福。因為得智慧勝過得銀子，其利益強如精金，</a:t>
             </a:r>
             <a:endParaRPr lang="en-US" altLang="zh-TW" sz="6000" dirty="0" smtClean="0">
               <a:latin typeface="微軟正黑體" pitchFamily="34" charset="-120"/>
@@ -5525,8 +5503,8 @@
         </p:nvSpPr>
         <p:spPr>
           <a:xfrm>
-            <a:off x="0" y="0"/>
-            <a:ext cx="9144000" cy="7010400"/>
+            <a:off x="152400" y="0"/>
+            <a:ext cx="11598910" cy="6818630"/>
           </a:xfrm>
         </p:spPr>
         <p:txBody>
@@ -5539,6 +5517,7 @@
               <a:rPr lang="zh-TW" altLang="en-US" sz="6000" b="1" dirty="0" smtClean="0">
                 <a:latin typeface="微軟正黑體" pitchFamily="34" charset="-120"/>
                 <a:ea typeface="微軟正黑體" pitchFamily="34" charset="-120"/>
+                <a:sym typeface="+mn-ea"/>
               </a:rPr>
               <a:t>耶和華以智慧立地，以聰明定天，以知識使深淵裂開，使天空滴下甘露。</a:t>
             </a:r>
@@ -5546,6 +5525,7 @@
               <a:rPr lang="en-US" altLang="zh-TW" sz="6000" b="1" dirty="0" smtClean="0">
                 <a:latin typeface="微軟正黑體" pitchFamily="34" charset="-120"/>
                 <a:ea typeface="微軟正黑體" pitchFamily="34" charset="-120"/>
+                <a:sym typeface="+mn-ea"/>
               </a:rPr>
               <a:t> </a:t>
             </a:r>
@@ -5559,23 +5539,22 @@
               <a:rPr lang="zh-TW" altLang="en-US" sz="6000" dirty="0" smtClean="0">
                 <a:latin typeface="微軟正黑體" pitchFamily="34" charset="-120"/>
                 <a:ea typeface="微軟正黑體" pitchFamily="34" charset="-120"/>
+                <a:sym typeface="+mn-ea"/>
               </a:rPr>
-              <a:t>要</a:t>
-            </a:r>
-            <a:r>
-              <a:rPr lang="zh-TW" altLang="en-US" sz="6000" dirty="0" smtClean="0">
-                <a:latin typeface="微軟正黑體" pitchFamily="34" charset="-120"/>
-                <a:ea typeface="微軟正黑體" pitchFamily="34" charset="-120"/>
-              </a:rPr>
-              <a:t>謹守真智慧和謀略，不可使他離開你的眼目。這樣，他必作你的生命，頸項的美飾。</a:t>
+              <a:t>要謹守真智慧和謀略，不可使他離開你的眼目。這樣，他必作你的生命，頸項的美飾。</a:t>
             </a:r>
             <a:r>
               <a:rPr lang="en-US" altLang="zh-TW" sz="6000" dirty="0" smtClean="0">
                 <a:latin typeface="微軟正黑體" pitchFamily="34" charset="-120"/>
                 <a:ea typeface="微軟正黑體" pitchFamily="34" charset="-120"/>
+                <a:sym typeface="+mn-ea"/>
               </a:rPr>
               <a:t> </a:t>
             </a:r>
+            <a:endParaRPr lang="en-US" altLang="zh-TW" sz="6000" dirty="0" smtClean="0">
+              <a:latin typeface="微軟正黑體" pitchFamily="34" charset="-120"/>
+              <a:ea typeface="微軟正黑體" pitchFamily="34" charset="-120"/>
+            </a:endParaRPr>
           </a:p>
         </p:txBody>
       </p:sp>
@@ -5616,8 +5595,8 @@
         </p:nvSpPr>
         <p:spPr>
           <a:xfrm>
-            <a:off x="0" y="0"/>
-            <a:ext cx="9144000" cy="7010400"/>
+            <a:off x="152400" y="0"/>
+            <a:ext cx="11598910" cy="6818630"/>
           </a:xfrm>
         </p:spPr>
         <p:txBody>
@@ -5630,6 +5609,7 @@
               <a:rPr lang="zh-TW" altLang="en-US" sz="6000" b="1" dirty="0" smtClean="0">
                 <a:latin typeface="微軟正黑體" pitchFamily="34" charset="-120"/>
                 <a:ea typeface="微軟正黑體" pitchFamily="34" charset="-120"/>
+                <a:sym typeface="+mn-ea"/>
               </a:rPr>
               <a:t>要得智慧，要得聰明，不可忘記，也不可偏離我口中的言語。</a:t>
             </a:r>
@@ -5637,6 +5617,7 @@
               <a:rPr lang="en-US" altLang="zh-TW" sz="6000" b="1" dirty="0" smtClean="0">
                 <a:latin typeface="微軟正黑體" pitchFamily="34" charset="-120"/>
                 <a:ea typeface="微軟正黑體" pitchFamily="34" charset="-120"/>
+                <a:sym typeface="+mn-ea"/>
               </a:rPr>
               <a:t> </a:t>
             </a:r>
@@ -5650,23 +5631,22 @@
               <a:rPr lang="zh-TW" altLang="en-US" sz="6000" dirty="0" smtClean="0">
                 <a:latin typeface="微軟正黑體" pitchFamily="34" charset="-120"/>
                 <a:ea typeface="微軟正黑體" pitchFamily="34" charset="-120"/>
+                <a:sym typeface="+mn-ea"/>
               </a:rPr>
-              <a:t>不可</a:t>
-            </a:r>
-            <a:r>
-              <a:rPr lang="zh-TW" altLang="en-US" sz="6000" dirty="0" smtClean="0">
-                <a:latin typeface="微軟正黑體" pitchFamily="34" charset="-120"/>
-                <a:ea typeface="微軟正黑體" pitchFamily="34" charset="-120"/>
-              </a:rPr>
-              <a:t>離棄智慧，智慧就護衛你；要愛他，他就保守你。</a:t>
+              <a:t>不可離棄智慧，智慧就護衛你；要愛他，他就保守你。</a:t>
             </a:r>
             <a:r>
               <a:rPr lang="en-US" altLang="zh-TW" sz="6000" dirty="0" smtClean="0">
                 <a:latin typeface="微軟正黑體" pitchFamily="34" charset="-120"/>
                 <a:ea typeface="微軟正黑體" pitchFamily="34" charset="-120"/>
+                <a:sym typeface="+mn-ea"/>
               </a:rPr>
               <a:t> </a:t>
             </a:r>
+            <a:endParaRPr lang="en-US" altLang="zh-TW" sz="6000" dirty="0" smtClean="0">
+              <a:latin typeface="微軟正黑體" pitchFamily="34" charset="-120"/>
+              <a:ea typeface="微軟正黑體" pitchFamily="34" charset="-120"/>
+            </a:endParaRPr>
           </a:p>
         </p:txBody>
       </p:sp>
@@ -5707,8 +5687,8 @@
         </p:nvSpPr>
         <p:spPr>
           <a:xfrm>
-            <a:off x="0" y="0"/>
-            <a:ext cx="9144000" cy="7010400"/>
+            <a:off x="152400" y="0"/>
+            <a:ext cx="11598910" cy="6818630"/>
           </a:xfrm>
         </p:spPr>
         <p:txBody>
@@ -5721,6 +5701,7 @@
               <a:rPr lang="zh-TW" altLang="en-US" sz="6000" b="1" dirty="0" smtClean="0">
                 <a:latin typeface="微軟正黑體" pitchFamily="34" charset="-120"/>
                 <a:ea typeface="微軟正黑體" pitchFamily="34" charset="-120"/>
+                <a:sym typeface="+mn-ea"/>
               </a:rPr>
               <a:t>智慧為首；所以，要得智慧。在你一切所得之內必得聰明。</a:t>
             </a:r>
@@ -5734,17 +5715,11 @@
               <a:rPr lang="zh-TW" altLang="en-US" sz="6000" dirty="0" smtClean="0">
                 <a:latin typeface="微軟正黑體" pitchFamily="34" charset="-120"/>
                 <a:ea typeface="微軟正黑體" pitchFamily="34" charset="-120"/>
+                <a:sym typeface="+mn-ea"/>
               </a:rPr>
-              <a:t>高舉智慧，他就使你高陞；懷抱智慧，他就使你尊榮</a:t>
-            </a:r>
-            <a:r>
-              <a:rPr lang="zh-TW" altLang="en-US" sz="6000" dirty="0" smtClean="0">
-                <a:latin typeface="微軟正黑體" pitchFamily="34" charset="-120"/>
-                <a:ea typeface="微軟正黑體" pitchFamily="34" charset="-120"/>
-              </a:rPr>
-              <a:t>。</a:t>
-            </a:r>
-            <a:endParaRPr lang="en-US" altLang="zh-TW" sz="6000" b="1" dirty="0" smtClean="0">
+              <a:t>高舉智慧，他就使你高陞；懷抱智慧，他就使你尊榮。</a:t>
+            </a:r>
+            <a:endParaRPr lang="en-US" altLang="zh-TW" sz="6000" dirty="0" smtClean="0">
               <a:latin typeface="微軟正黑體" pitchFamily="34" charset="-120"/>
               <a:ea typeface="微軟正黑體" pitchFamily="34" charset="-120"/>
             </a:endParaRPr>
@@ -5788,8 +5763,8 @@
         </p:nvSpPr>
         <p:spPr>
           <a:xfrm>
-            <a:off x="0" y="0"/>
-            <a:ext cx="9144000" cy="7010400"/>
+            <a:off x="152400" y="0"/>
+            <a:ext cx="11598910" cy="6818630"/>
           </a:xfrm>
         </p:spPr>
         <p:txBody>
@@ -5802,23 +5777,22 @@
               <a:rPr lang="zh-TW" altLang="en-US" sz="6000" b="1" dirty="0" smtClean="0">
                 <a:latin typeface="微軟正黑體" pitchFamily="34" charset="-120"/>
                 <a:ea typeface="微軟正黑體" pitchFamily="34" charset="-120"/>
+                <a:sym typeface="+mn-ea"/>
               </a:rPr>
-              <a:t>你</a:t>
-            </a:r>
-            <a:r>
-              <a:rPr lang="zh-TW" altLang="en-US" sz="6000" b="1" dirty="0" smtClean="0">
-                <a:latin typeface="微軟正黑體" pitchFamily="34" charset="-120"/>
-                <a:ea typeface="微軟正黑體" pitchFamily="34" charset="-120"/>
-              </a:rPr>
-              <a:t>要聽受我的言語，就必延年益壽。我已指教你走智慧的道，引導你行正直的路。</a:t>
+              <a:t>你要聽受我的言語，就必延年益壽。我已指教你走智慧的道，引導你行正直的路。</a:t>
             </a:r>
             <a:r>
               <a:rPr lang="en-US" altLang="zh-TW" sz="6000" b="1" dirty="0" smtClean="0">
                 <a:latin typeface="微軟正黑體" pitchFamily="34" charset="-120"/>
                 <a:ea typeface="微軟正黑體" pitchFamily="34" charset="-120"/>
+                <a:sym typeface="+mn-ea"/>
               </a:rPr>
               <a:t> </a:t>
             </a:r>
+            <a:endParaRPr lang="en-US" altLang="zh-TW" sz="6000" dirty="0" smtClean="0">
+              <a:latin typeface="微軟正黑體" pitchFamily="34" charset="-120"/>
+              <a:ea typeface="微軟正黑體" pitchFamily="34" charset="-120"/>
+            </a:endParaRPr>
           </a:p>
         </p:txBody>
       </p:sp>
@@ -6118,7 +6092,10 @@
       </a:bgFillStyleLst>
     </a:fmtScheme>
   </a:themeElements>
-  <a:objectDefaults/>
-  <a:extraClrSchemeLst/>
+  <a:extLst>
+    <a:ext uri="{05A4C25C-085E-4340-85A3-A5531E510DB2}">
+      <thm15:themeFamily xmlns:thm15="http://schemas.microsoft.com/office/thememl/2012/main" name="Office Theme" id="{62F939B6-93AF-4DB8-9C6B-D6C7DFDC589F}" vid="{4A3C46E8-61CC-4603-A589-7422A47A8E4A}"/>
+    </a:ext>
+  </a:extLst>
 </a:theme>
 </file>